--- a/callari-kaczmarczyk_rollout_scores.pptx
+++ b/callari-kaczmarczyk_rollout_scores.pptx
@@ -18,6 +18,7 @@
     <p:sldId id="266" r:id="rId12"/>
     <p:sldId id="267" r:id="rId13"/>
     <p:sldId id="268" r:id="rId14"/>
+    <p:sldId id="269" r:id="rId15"/>
   </p:sldIdLst>
   <p:sldSz cx="12192000" cy="6858000"/>
   <p:notesSz cx="6858000" cy="9144000"/>
@@ -116,6 +117,11 @@
       </a:defRPr>
     </a:lvl9pPr>
   </p:defaultTextStyle>
+  <p:extLst>
+    <p:ext uri="{EFAFB233-063F-42B5-8137-9DF3F51BA10A}">
+      <p15:sldGuideLst xmlns:p15="http://schemas.microsoft.com/office/powerpoint/2012/main"/>
+    </p:ext>
+  </p:extLst>
 </p:presentation>
 </file>
 
@@ -4254,8 +4260,8 @@
           </a:p>
         </p:txBody>
       </p:sp>
-      <mc:AlternateContent xmlns:mc="http://schemas.openxmlformats.org/markup-compatibility/2006">
-        <mc:Choice xmlns:a14="http://schemas.microsoft.com/office/drawing/2010/main" Requires="a14">
+      <mc:AlternateContent xmlns:mc="http://schemas.openxmlformats.org/markup-compatibility/2006" xmlns:a14="http://schemas.microsoft.com/office/drawing/2010/main">
+        <mc:Choice Requires="a14">
           <p:sp>
             <p:nvSpPr>
               <p:cNvPr id="3" name="Content Placeholder 2"/>
@@ -4426,7 +4432,7 @@
             </p:txBody>
           </p:sp>
         </mc:Choice>
-        <mc:Fallback>
+        <mc:Fallback xmlns="">
           <p:sp>
             <p:nvSpPr>
               <p:cNvPr id="3" name="Content Placeholder 2"/>
@@ -4845,6 +4851,139 @@
 </p:sld>
 </file>
 
+<file path=ppt/slides/slide14.xml><?xml version="1.0" encoding="utf-8"?>
+<p:sld xmlns:a="http://schemas.openxmlformats.org/drawingml/2006/main" xmlns:r="http://schemas.openxmlformats.org/officeDocument/2006/relationships" xmlns:p="http://schemas.openxmlformats.org/presentationml/2006/main">
+  <p:cSld>
+    <p:spTree>
+      <p:nvGrpSpPr>
+        <p:cNvPr id="1" name=""/>
+        <p:cNvGrpSpPr/>
+        <p:nvPr/>
+      </p:nvGrpSpPr>
+      <p:grpSpPr>
+        <a:xfrm>
+          <a:off x="0" y="0"/>
+          <a:ext cx="0" cy="0"/>
+          <a:chOff x="0" y="0"/>
+          <a:chExt cx="0" cy="0"/>
+        </a:xfrm>
+      </p:grpSpPr>
+      <p:sp>
+        <p:nvSpPr>
+          <p:cNvPr id="2" name="Title 1"/>
+          <p:cNvSpPr>
+            <a:spLocks noGrp="1"/>
+          </p:cNvSpPr>
+          <p:nvPr>
+            <p:ph type="title"/>
+          </p:nvPr>
+        </p:nvSpPr>
+        <p:spPr/>
+        <p:txBody>
+          <a:bodyPr/>
+          <a:lstStyle/>
+          <a:p>
+            <a:r>
+              <a:rPr lang="en-US" dirty="0" smtClean="0"/>
+              <a:t>References</a:t>
+            </a:r>
+            <a:endParaRPr lang="en-US" dirty="0"/>
+          </a:p>
+        </p:txBody>
+      </p:sp>
+      <p:sp>
+        <p:nvSpPr>
+          <p:cNvPr id="3" name="Content Placeholder 2"/>
+          <p:cNvSpPr>
+            <a:spLocks noGrp="1"/>
+          </p:cNvSpPr>
+          <p:nvPr>
+            <p:ph idx="1"/>
+          </p:nvPr>
+        </p:nvSpPr>
+        <p:spPr/>
+        <p:txBody>
+          <a:bodyPr/>
+          <a:lstStyle/>
+          <a:p>
+            <a:pPr marL="0" indent="0">
+              <a:buNone/>
+            </a:pPr>
+            <a:r>
+              <a:rPr lang="en-US" dirty="0"/>
+              <a:t>John Hopkins Coronavirus Resource Center:  </a:t>
+            </a:r>
+            <a:r>
+              <a:rPr lang="en-US" dirty="0">
+                <a:hlinkClick r:id="rId2"/>
+              </a:rPr>
+              <a:t>https://</a:t>
+            </a:r>
+            <a:r>
+              <a:rPr lang="en-US" dirty="0" smtClean="0">
+                <a:hlinkClick r:id="rId2"/>
+              </a:rPr>
+              <a:t>coronavirus.jhu.edu/vaccines/international</a:t>
+            </a:r>
+            <a:r>
+              <a:rPr lang="en-US" dirty="0" smtClean="0"/>
+              <a:t> </a:t>
+            </a:r>
+            <a:endParaRPr lang="en-US" dirty="0"/>
+          </a:p>
+          <a:p>
+            <a:pPr marL="0" indent="0">
+              <a:buNone/>
+            </a:pPr>
+            <a:r>
+              <a:rPr lang="en-US" dirty="0" err="1" smtClean="0"/>
+              <a:t>Palache</a:t>
+            </a:r>
+            <a:r>
+              <a:rPr lang="en-US" dirty="0"/>
+              <a:t>, A., </a:t>
+            </a:r>
+            <a:r>
+              <a:rPr lang="en-US" dirty="0" err="1"/>
+              <a:t>Abelin</a:t>
+            </a:r>
+            <a:r>
+              <a:rPr lang="en-US" dirty="0"/>
+              <a:t>, A., Hollingsworth, R., </a:t>
+            </a:r>
+            <a:r>
+              <a:rPr lang="en-US" dirty="0" err="1"/>
+              <a:t>Cracknell</a:t>
+            </a:r>
+            <a:r>
+              <a:rPr lang="en-US" dirty="0"/>
+              <a:t>, W., Jacobs, C., Tsai, T., &amp; Barbosa, P. (2017). Survey of distribution of seasonal influenza vaccine doses in 201 countries (2004–2015): the 2003 World Health Assembly resolution on seasonal influenza vaccination coverage and the 2009 influenza pandemic have had very little impact on improving influenza control and pandemic preparedness. </a:t>
+            </a:r>
+            <a:r>
+              <a:rPr lang="en-US" i="1" dirty="0"/>
+              <a:t>Vaccine, 35</a:t>
+            </a:r>
+            <a:r>
+              <a:rPr lang="en-US" dirty="0"/>
+              <a:t>(36), 4681-4686.</a:t>
+            </a:r>
+            <a:endParaRPr lang="en-US" dirty="0"/>
+          </a:p>
+        </p:txBody>
+      </p:sp>
+    </p:spTree>
+    <p:extLst>
+      <p:ext uri="{BB962C8B-B14F-4D97-AF65-F5344CB8AC3E}">
+        <p14:creationId xmlns:p14="http://schemas.microsoft.com/office/powerpoint/2010/main" val="1099025280"/>
+      </p:ext>
+    </p:extLst>
+  </p:cSld>
+  <p:clrMapOvr>
+    <a:masterClrMapping/>
+  </p:clrMapOvr>
+</p:sld>
+</file>
+
 <file path=ppt/slides/slide2.xml><?xml version="1.0" encoding="utf-8"?>
 <p:sld xmlns:a="http://schemas.openxmlformats.org/drawingml/2006/main" xmlns:r="http://schemas.openxmlformats.org/officeDocument/2006/relationships" xmlns:p="http://schemas.openxmlformats.org/presentationml/2006/main">
   <p:cSld>

--- a/callari-kaczmarczyk_rollout_scores.pptx
+++ b/callari-kaczmarczyk_rollout_scores.pptx
@@ -11,14 +11,13 @@
     <p:sldId id="259" r:id="rId5"/>
     <p:sldId id="260" r:id="rId6"/>
     <p:sldId id="261" r:id="rId7"/>
-    <p:sldId id="262" r:id="rId8"/>
-    <p:sldId id="263" r:id="rId9"/>
-    <p:sldId id="264" r:id="rId10"/>
-    <p:sldId id="265" r:id="rId11"/>
-    <p:sldId id="266" r:id="rId12"/>
-    <p:sldId id="267" r:id="rId13"/>
-    <p:sldId id="268" r:id="rId14"/>
-    <p:sldId id="269" r:id="rId15"/>
+    <p:sldId id="263" r:id="rId8"/>
+    <p:sldId id="264" r:id="rId9"/>
+    <p:sldId id="265" r:id="rId10"/>
+    <p:sldId id="266" r:id="rId11"/>
+    <p:sldId id="267" r:id="rId12"/>
+    <p:sldId id="268" r:id="rId13"/>
+    <p:sldId id="269" r:id="rId14"/>
   </p:sldIdLst>
   <p:sldSz cx="12192000" cy="6858000"/>
   <p:notesSz cx="6858000" cy="9144000"/>
@@ -3370,106 +3369,6 @@
 </file>
 
 <file path=ppt/slides/slide10.xml><?xml version="1.0" encoding="utf-8"?>
-<p:sld xmlns:a="http://schemas.openxmlformats.org/drawingml/2006/main" xmlns:r="http://schemas.openxmlformats.org/officeDocument/2006/relationships" xmlns:p="http://schemas.openxmlformats.org/presentationml/2006/main">
-  <p:cSld>
-    <p:spTree>
-      <p:nvGrpSpPr>
-        <p:cNvPr id="1" name=""/>
-        <p:cNvGrpSpPr/>
-        <p:nvPr/>
-      </p:nvGrpSpPr>
-      <p:grpSpPr>
-        <a:xfrm>
-          <a:off x="0" y="0"/>
-          <a:ext cx="0" cy="0"/>
-          <a:chOff x="0" y="0"/>
-          <a:chExt cx="0" cy="0"/>
-        </a:xfrm>
-      </p:grpSpPr>
-      <p:sp>
-        <p:nvSpPr>
-          <p:cNvPr id="2" name="Title 1"/>
-          <p:cNvSpPr>
-            <a:spLocks noGrp="1"/>
-          </p:cNvSpPr>
-          <p:nvPr>
-            <p:ph type="title"/>
-          </p:nvPr>
-        </p:nvSpPr>
-        <p:spPr/>
-        <p:txBody>
-          <a:bodyPr/>
-          <a:lstStyle/>
-          <a:p>
-            <a:r>
-              <a:rPr lang="en-US" dirty="0" smtClean="0"/>
-              <a:t>Features</a:t>
-            </a:r>
-            <a:endParaRPr lang="en-US" dirty="0"/>
-          </a:p>
-        </p:txBody>
-      </p:sp>
-      <p:sp>
-        <p:nvSpPr>
-          <p:cNvPr id="3" name="Content Placeholder 2"/>
-          <p:cNvSpPr>
-            <a:spLocks noGrp="1"/>
-          </p:cNvSpPr>
-          <p:nvPr>
-            <p:ph idx="1"/>
-          </p:nvPr>
-        </p:nvSpPr>
-        <p:spPr/>
-        <p:txBody>
-          <a:bodyPr/>
-          <a:lstStyle/>
-          <a:p>
-            <a:r>
-              <a:rPr lang="en-US" sz="2400" dirty="0" smtClean="0"/>
-              <a:t>Needed to standardize</a:t>
-            </a:r>
-          </a:p>
-          <a:p>
-            <a:r>
-              <a:rPr lang="en-US" sz="2400" dirty="0" smtClean="0"/>
-              <a:t>Shapiro-Wilks test suggested that samples were not normal</a:t>
-            </a:r>
-          </a:p>
-          <a:p>
-            <a:r>
-              <a:rPr lang="en-US" sz="2400" dirty="0" smtClean="0"/>
-              <a:t>Used the </a:t>
-            </a:r>
-            <a:r>
-              <a:rPr lang="en-US" sz="2400" dirty="0" err="1" smtClean="0"/>
-              <a:t>MinMax</a:t>
-            </a:r>
-            <a:r>
-              <a:rPr lang="en-US" sz="2400" dirty="0" smtClean="0"/>
-              <a:t> Scaler in </a:t>
-            </a:r>
-            <a:r>
-              <a:rPr lang="en-US" sz="2400" dirty="0" err="1" smtClean="0"/>
-              <a:t>scikitlearn</a:t>
-            </a:r>
-            <a:endParaRPr lang="en-US" sz="2400" dirty="0"/>
-          </a:p>
-        </p:txBody>
-      </p:sp>
-    </p:spTree>
-    <p:extLst>
-      <p:ext uri="{BB962C8B-B14F-4D97-AF65-F5344CB8AC3E}">
-        <p14:creationId xmlns:p14="http://schemas.microsoft.com/office/powerpoint/2010/main" val="4157888043"/>
-      </p:ext>
-    </p:extLst>
-  </p:cSld>
-  <p:clrMapOvr>
-    <a:masterClrMapping/>
-  </p:clrMapOvr>
-</p:sld>
-</file>
-
-<file path=ppt/slides/slide11.xml><?xml version="1.0" encoding="utf-8"?>
 <p:sld xmlns:a="http://schemas.openxmlformats.org/drawingml/2006/main" xmlns:r="http://schemas.openxmlformats.org/officeDocument/2006/relationships" xmlns:p="http://schemas.openxmlformats.org/presentationml/2006/main">
   <p:cSld>
     <p:spTree>
@@ -4220,7 +4119,7 @@
 </p:sld>
 </file>
 
-<file path=ppt/slides/slide12.xml><?xml version="1.0" encoding="utf-8"?>
+<file path=ppt/slides/slide11.xml><?xml version="1.0" encoding="utf-8"?>
 <p:sld xmlns:a="http://schemas.openxmlformats.org/drawingml/2006/main" xmlns:r="http://schemas.openxmlformats.org/officeDocument/2006/relationships" xmlns:p="http://schemas.openxmlformats.org/presentationml/2006/main">
   <p:cSld>
     <p:spTree>
@@ -4260,8 +4159,8 @@
           </a:p>
         </p:txBody>
       </p:sp>
-      <mc:AlternateContent xmlns:mc="http://schemas.openxmlformats.org/markup-compatibility/2006" xmlns:a14="http://schemas.microsoft.com/office/drawing/2010/main">
-        <mc:Choice Requires="a14">
+      <mc:AlternateContent xmlns:mc="http://schemas.openxmlformats.org/markup-compatibility/2006">
+        <mc:Choice xmlns:a14="http://schemas.microsoft.com/office/drawing/2010/main" Requires="a14">
           <p:sp>
             <p:nvSpPr>
               <p:cNvPr id="3" name="Content Placeholder 2"/>
@@ -4305,6 +4204,12 @@
                 </a:r>
                 <a14:m>
                   <m:oMath xmlns:m="http://schemas.openxmlformats.org/officeDocument/2006/math">
+                    <m:r>
+                      <a:rPr lang="en-US" sz="2800" b="0" i="0" dirty="0" smtClean="0">
+                        <a:latin typeface="Cambria Math" panose="02040503050406030204" pitchFamily="18" charset="0"/>
+                      </a:rPr>
+                      <m:t>(</m:t>
+                    </m:r>
                     <m:r>
                       <a:rPr lang="en-US" sz="2800" i="1" dirty="0" smtClean="0">
                         <a:latin typeface="Cambria Math" panose="02040503050406030204" pitchFamily="18" charset="0"/>
@@ -4427,12 +4332,16 @@
                     </m:r>
                   </m:oMath>
                 </a14:m>
+                <a:r>
+                  <a:rPr lang="en-US" sz="2800" dirty="0" smtClean="0"/>
+                  <a:t>)*100</a:t>
+                </a:r>
                 <a:endParaRPr lang="en-US" sz="2800" dirty="0"/>
               </a:p>
             </p:txBody>
           </p:sp>
         </mc:Choice>
-        <mc:Fallback xmlns="">
+        <mc:Fallback>
           <p:sp>
             <p:nvSpPr>
               <p:cNvPr id="3" name="Content Placeholder 2"/>
@@ -4483,7 +4392,7 @@
 </p:sld>
 </file>
 
-<file path=ppt/slides/slide13.xml><?xml version="1.0" encoding="utf-8"?>
+<file path=ppt/slides/slide12.xml><?xml version="1.0" encoding="utf-8"?>
 <p:sld xmlns:a="http://schemas.openxmlformats.org/drawingml/2006/main" xmlns:r="http://schemas.openxmlformats.org/officeDocument/2006/relationships" xmlns:p="http://schemas.openxmlformats.org/presentationml/2006/main">
   <p:cSld>
     <p:spTree>
@@ -4851,7 +4760,7 @@
 </p:sld>
 </file>
 
-<file path=ppt/slides/slide14.xml><?xml version="1.0" encoding="utf-8"?>
+<file path=ppt/slides/slide13.xml><?xml version="1.0" encoding="utf-8"?>
 <p:sld xmlns:a="http://schemas.openxmlformats.org/drawingml/2006/main" xmlns:r="http://schemas.openxmlformats.org/officeDocument/2006/relationships" xmlns:p="http://schemas.openxmlformats.org/presentationml/2006/main">
   <p:cSld>
     <p:spTree>
@@ -4967,7 +4876,6 @@
               <a:rPr lang="en-US" dirty="0"/>
               <a:t>(36), 4681-4686.</a:t>
             </a:r>
-            <a:endParaRPr lang="en-US" dirty="0"/>
           </a:p>
         </p:txBody>
       </p:sp>
@@ -5429,7 +5337,7 @@
           <a:p>
             <a:r>
               <a:rPr lang="en-US" dirty="0" smtClean="0"/>
-              <a:t>Percent of Population Fully Vaccinated</a:t>
+              <a:t>Raw Features from Dataset</a:t>
             </a:r>
             <a:endParaRPr lang="en-US" dirty="0"/>
           </a:p>
@@ -5454,8 +5362,19 @@
           <a:p>
             <a:r>
               <a:rPr lang="en-US" sz="2400" dirty="0" smtClean="0"/>
-              <a:t>Total number of people fully vaccinated per hundred (percent of population)</a:t>
-            </a:r>
+              <a:t>Total number of people fully vaccinated per hundred (percent of population</a:t>
+            </a:r>
+            <a:r>
+              <a:rPr lang="en-US" sz="2400" dirty="0" smtClean="0"/>
+              <a:t>)</a:t>
+            </a:r>
+          </a:p>
+          <a:p>
+            <a:r>
+              <a:rPr lang="en-US" sz="2400" dirty="0"/>
+              <a:t>Total vaccinations per hundred (percent of population) </a:t>
+            </a:r>
+            <a:endParaRPr lang="en-US" sz="2400" dirty="0" smtClean="0"/>
           </a:p>
           <a:p>
             <a:r>
@@ -5513,7 +5432,11 @@
           <a:p>
             <a:r>
               <a:rPr lang="en-US" dirty="0" smtClean="0"/>
-              <a:t>Number of Vaccinations</a:t>
+              <a:t>Rate of </a:t>
+            </a:r>
+            <a:r>
+              <a:rPr lang="en-US" dirty="0" smtClean="0"/>
+              <a:t>Distribution</a:t>
             </a:r>
             <a:endParaRPr lang="en-US" dirty="0"/>
           </a:p>
@@ -5538,124 +5461,61 @@
           <a:p>
             <a:r>
               <a:rPr lang="en-US" sz="2400" dirty="0" smtClean="0"/>
-              <a:t>Total vaccinations per hundred (percent of population) </a:t>
+              <a:t>Two values: </a:t>
+            </a:r>
+          </a:p>
+          <a:p>
+            <a:pPr lvl="1"/>
+            <a:r>
+              <a:rPr lang="en-US" sz="2000" dirty="0" smtClean="0"/>
+              <a:t>People </a:t>
+            </a:r>
+            <a:r>
+              <a:rPr lang="en-US" sz="2000" dirty="0" smtClean="0"/>
+              <a:t>fully vaccinated per hundred</a:t>
+            </a:r>
+          </a:p>
+          <a:p>
+            <a:pPr lvl="1"/>
+            <a:r>
+              <a:rPr lang="en-US" sz="2000" dirty="0"/>
+              <a:t>T</a:t>
+            </a:r>
+            <a:r>
+              <a:rPr lang="en-US" sz="2000" dirty="0" smtClean="0"/>
+              <a:t>otal </a:t>
+            </a:r>
+            <a:r>
+              <a:rPr lang="en-US" sz="2000" dirty="0" smtClean="0"/>
+              <a:t>vaccinations per hundred</a:t>
+            </a:r>
+          </a:p>
+          <a:p>
+            <a:r>
+              <a:rPr lang="en-US" sz="2400" dirty="0"/>
+              <a:t>Dates were converted to days from start date of dataset</a:t>
             </a:r>
           </a:p>
           <a:p>
             <a:r>
               <a:rPr lang="en-US" sz="2400" dirty="0" smtClean="0"/>
-              <a:t>Only pulled latest record for each country</a:t>
-            </a:r>
-          </a:p>
-        </p:txBody>
-      </p:sp>
-    </p:spTree>
-    <p:extLst>
-      <p:ext uri="{BB962C8B-B14F-4D97-AF65-F5344CB8AC3E}">
-        <p14:creationId xmlns:p14="http://schemas.microsoft.com/office/powerpoint/2010/main" val="4194129498"/>
-      </p:ext>
-    </p:extLst>
-  </p:cSld>
-  <p:clrMapOvr>
-    <a:masterClrMapping/>
-  </p:clrMapOvr>
-</p:sld>
-</file>
-
-<file path=ppt/slides/slide8.xml><?xml version="1.0" encoding="utf-8"?>
-<p:sld xmlns:a="http://schemas.openxmlformats.org/drawingml/2006/main" xmlns:r="http://schemas.openxmlformats.org/officeDocument/2006/relationships" xmlns:p="http://schemas.openxmlformats.org/presentationml/2006/main">
-  <p:cSld>
-    <p:spTree>
-      <p:nvGrpSpPr>
-        <p:cNvPr id="1" name=""/>
-        <p:cNvGrpSpPr/>
-        <p:nvPr/>
-      </p:nvGrpSpPr>
-      <p:grpSpPr>
-        <a:xfrm>
-          <a:off x="0" y="0"/>
-          <a:ext cx="0" cy="0"/>
-          <a:chOff x="0" y="0"/>
-          <a:chExt cx="0" cy="0"/>
-        </a:xfrm>
-      </p:grpSpPr>
-      <p:sp>
-        <p:nvSpPr>
-          <p:cNvPr id="2" name="Title 1"/>
-          <p:cNvSpPr>
-            <a:spLocks noGrp="1"/>
-          </p:cNvSpPr>
-          <p:nvPr>
-            <p:ph type="title"/>
-          </p:nvPr>
-        </p:nvSpPr>
-        <p:spPr/>
-        <p:txBody>
-          <a:bodyPr/>
-          <a:lstStyle/>
-          <a:p>
-            <a:r>
-              <a:rPr lang="en-US" dirty="0" smtClean="0"/>
-              <a:t>Rate of vaccination</a:t>
-            </a:r>
-            <a:endParaRPr lang="en-US" dirty="0"/>
-          </a:p>
-        </p:txBody>
-      </p:sp>
-      <p:sp>
-        <p:nvSpPr>
-          <p:cNvPr id="3" name="Content Placeholder 2"/>
-          <p:cNvSpPr>
-            <a:spLocks noGrp="1"/>
-          </p:cNvSpPr>
-          <p:nvPr>
-            <p:ph idx="1"/>
-          </p:nvPr>
-        </p:nvSpPr>
-        <p:spPr/>
-        <p:txBody>
-          <a:bodyPr>
-            <a:normAutofit/>
-          </a:bodyPr>
-          <a:lstStyle/>
-          <a:p>
+              <a:t>Linear </a:t>
+            </a:r>
             <a:r>
               <a:rPr lang="en-US" sz="2400" dirty="0" smtClean="0"/>
-              <a:t>Two values: </a:t>
-            </a:r>
-          </a:p>
-          <a:p>
-            <a:pPr lvl="1"/>
-            <a:r>
-              <a:rPr lang="en-US" sz="2000" dirty="0" smtClean="0"/>
-              <a:t>Percent of people fully vaccinated per hundred</a:t>
-            </a:r>
-          </a:p>
-          <a:p>
-            <a:pPr lvl="1"/>
-            <a:r>
-              <a:rPr lang="en-US" sz="2000" dirty="0" smtClean="0"/>
-              <a:t>Percent of total vaccinations per hundred</a:t>
+              <a:t>regression with time series</a:t>
             </a:r>
           </a:p>
           <a:p>
             <a:r>
               <a:rPr lang="en-US" sz="2400" dirty="0" smtClean="0"/>
-              <a:t>Linear regression with time series</a:t>
-            </a:r>
-          </a:p>
-          <a:p>
+              <a:t>If fewer than 2 samples, rate was determined to be </a:t>
+            </a:r>
             <a:r>
               <a:rPr lang="en-US" sz="2400" dirty="0" smtClean="0"/>
-              <a:t>If fewer than 2 samples, rate was determined to be 0</a:t>
-            </a:r>
-          </a:p>
-          <a:p>
-            <a:r>
-              <a:rPr lang="en-US" sz="2400" dirty="0" smtClean="0"/>
-              <a:t>Dates were converted to days from start date of dataset</a:t>
-            </a:r>
-            <a:endParaRPr lang="en-US" sz="2400" dirty="0"/>
+              <a:t>0</a:t>
+            </a:r>
+            <a:endParaRPr lang="en-US" sz="2400" dirty="0" smtClean="0"/>
           </a:p>
         </p:txBody>
       </p:sp>
@@ -5672,7 +5532,7 @@
 </p:sld>
 </file>
 
-<file path=ppt/slides/slide9.xml><?xml version="1.0" encoding="utf-8"?>
+<file path=ppt/slides/slide8.xml><?xml version="1.0" encoding="utf-8"?>
 <p:sld xmlns:a="http://schemas.openxmlformats.org/drawingml/2006/main" xmlns:r="http://schemas.openxmlformats.org/officeDocument/2006/relationships" xmlns:p="http://schemas.openxmlformats.org/presentationml/2006/main">
   <p:cSld>
     <p:spTree>
@@ -5782,6 +5642,106 @@
     <p:extLst>
       <p:ext uri="{BB962C8B-B14F-4D97-AF65-F5344CB8AC3E}">
         <p14:creationId xmlns:p14="http://schemas.microsoft.com/office/powerpoint/2010/main" val="3964261286"/>
+      </p:ext>
+    </p:extLst>
+  </p:cSld>
+  <p:clrMapOvr>
+    <a:masterClrMapping/>
+  </p:clrMapOvr>
+</p:sld>
+</file>
+
+<file path=ppt/slides/slide9.xml><?xml version="1.0" encoding="utf-8"?>
+<p:sld xmlns:a="http://schemas.openxmlformats.org/drawingml/2006/main" xmlns:r="http://schemas.openxmlformats.org/officeDocument/2006/relationships" xmlns:p="http://schemas.openxmlformats.org/presentationml/2006/main">
+  <p:cSld>
+    <p:spTree>
+      <p:nvGrpSpPr>
+        <p:cNvPr id="1" name=""/>
+        <p:cNvGrpSpPr/>
+        <p:nvPr/>
+      </p:nvGrpSpPr>
+      <p:grpSpPr>
+        <a:xfrm>
+          <a:off x="0" y="0"/>
+          <a:ext cx="0" cy="0"/>
+          <a:chOff x="0" y="0"/>
+          <a:chExt cx="0" cy="0"/>
+        </a:xfrm>
+      </p:grpSpPr>
+      <p:sp>
+        <p:nvSpPr>
+          <p:cNvPr id="2" name="Title 1"/>
+          <p:cNvSpPr>
+            <a:spLocks noGrp="1"/>
+          </p:cNvSpPr>
+          <p:nvPr>
+            <p:ph type="title"/>
+          </p:nvPr>
+        </p:nvSpPr>
+        <p:spPr/>
+        <p:txBody>
+          <a:bodyPr/>
+          <a:lstStyle/>
+          <a:p>
+            <a:r>
+              <a:rPr lang="en-US" dirty="0" smtClean="0"/>
+              <a:t>Features</a:t>
+            </a:r>
+            <a:endParaRPr lang="en-US" dirty="0"/>
+          </a:p>
+        </p:txBody>
+      </p:sp>
+      <p:sp>
+        <p:nvSpPr>
+          <p:cNvPr id="3" name="Content Placeholder 2"/>
+          <p:cNvSpPr>
+            <a:spLocks noGrp="1"/>
+          </p:cNvSpPr>
+          <p:nvPr>
+            <p:ph idx="1"/>
+          </p:nvPr>
+        </p:nvSpPr>
+        <p:spPr/>
+        <p:txBody>
+          <a:bodyPr/>
+          <a:lstStyle/>
+          <a:p>
+            <a:r>
+              <a:rPr lang="en-US" sz="2400" dirty="0" smtClean="0"/>
+              <a:t>Needed to standardize</a:t>
+            </a:r>
+          </a:p>
+          <a:p>
+            <a:r>
+              <a:rPr lang="en-US" sz="2400" dirty="0" smtClean="0"/>
+              <a:t>Shapiro-Wilks test suggested that samples were not normal</a:t>
+            </a:r>
+          </a:p>
+          <a:p>
+            <a:r>
+              <a:rPr lang="en-US" sz="2400" dirty="0" smtClean="0"/>
+              <a:t>Used the </a:t>
+            </a:r>
+            <a:r>
+              <a:rPr lang="en-US" sz="2400" dirty="0" err="1" smtClean="0"/>
+              <a:t>MinMax</a:t>
+            </a:r>
+            <a:r>
+              <a:rPr lang="en-US" sz="2400" dirty="0" smtClean="0"/>
+              <a:t> Scaler in </a:t>
+            </a:r>
+            <a:r>
+              <a:rPr lang="en-US" sz="2400" dirty="0" err="1" smtClean="0"/>
+              <a:t>scikitlearn</a:t>
+            </a:r>
+            <a:endParaRPr lang="en-US" sz="2400" dirty="0"/>
+          </a:p>
+        </p:txBody>
+      </p:sp>
+    </p:spTree>
+    <p:extLst>
+      <p:ext uri="{BB962C8B-B14F-4D97-AF65-F5344CB8AC3E}">
+        <p14:creationId xmlns:p14="http://schemas.microsoft.com/office/powerpoint/2010/main" val="4157888043"/>
       </p:ext>
     </p:extLst>
   </p:cSld>
